--- a/Метапрограммирование.pptx
+++ b/Метапрограммирование.pptx
@@ -118,6 +118,11 @@
       </a:defRPr>
     </a:lvl9pPr>
   </p:defaultTextStyle>
+  <p:extLst>
+    <p:ext uri="{EFAFB233-063F-42B5-8137-9DF3F51BA10A}">
+      <p15:sldGuideLst xmlns:p15="http://schemas.microsoft.com/office/powerpoint/2012/main"/>
+    </p:ext>
+  </p:extLst>
 </p:presentation>
 </file>
 
@@ -3084,7 +3089,7 @@
         </p:nvGraphicFramePr>
         <p:xfrm>
           <a:off x="419746" y="1413091"/>
-          <a:ext cx="10515600" cy="5338318"/>
+          <a:ext cx="10515600" cy="5362829"/>
         </p:xfrm>
         <a:graphic>
           <a:graphicData uri="http://schemas.openxmlformats.org/drawingml/2006/table">
@@ -4369,7 +4374,15 @@
           <a:p>
             <a:r>
               <a:rPr lang="ru-RU" b="1" dirty="0"/>
-              <a:t>Написание макросов syntax-case в Scheme</a:t>
+              <a:t>Написание макросов syntax-case в </a:t>
+            </a:r>
+            <a:r>
+              <a:rPr lang="en-US" b="1" dirty="0"/>
+              <a:t>Racket</a:t>
+            </a:r>
+            <a:r>
+              <a:rPr lang="ru-RU" b="1" dirty="0"/>
+              <a:t/>
             </a:r>
             <a:br>
               <a:rPr lang="ru-RU" b="1" dirty="0"/>
@@ -4395,7 +4408,7 @@
         </p:nvGraphicFramePr>
         <p:xfrm>
           <a:off x="435244" y="1419947"/>
-          <a:ext cx="10515600" cy="4783836"/>
+          <a:ext cx="10515600" cy="4808347"/>
         </p:xfrm>
         <a:graphic>
           <a:graphicData uri="http://schemas.openxmlformats.org/drawingml/2006/table">
@@ -5278,7 +5291,7 @@
         </p:nvGraphicFramePr>
         <p:xfrm>
           <a:off x="419746" y="1864309"/>
-          <a:ext cx="10515600" cy="2814511"/>
+          <a:ext cx="10515600" cy="2834640"/>
         </p:xfrm>
         <a:graphic>
           <a:graphicData uri="http://schemas.openxmlformats.org/drawingml/2006/table">
@@ -5943,7 +5956,7 @@
         </p:nvGraphicFramePr>
         <p:xfrm>
           <a:off x="419746" y="5090134"/>
-          <a:ext cx="10515600" cy="1296607"/>
+          <a:ext cx="10515600" cy="1318260"/>
         </p:xfrm>
         <a:graphic>
           <a:graphicData uri="http://schemas.openxmlformats.org/drawingml/2006/table">
@@ -6394,7 +6407,7 @@
         </p:nvGraphicFramePr>
         <p:xfrm>
           <a:off x="466241" y="1930420"/>
-          <a:ext cx="10515600" cy="2832037"/>
+          <a:ext cx="10515600" cy="2850769"/>
         </p:xfrm>
         <a:graphic>
           <a:graphicData uri="http://schemas.openxmlformats.org/drawingml/2006/table">
@@ -7036,7 +7049,7 @@
         </p:nvGraphicFramePr>
         <p:xfrm>
           <a:off x="466241" y="5002189"/>
-          <a:ext cx="10515600" cy="1136333"/>
+          <a:ext cx="10515600" cy="1155065"/>
         </p:xfrm>
         <a:graphic>
           <a:graphicData uri="http://schemas.openxmlformats.org/drawingml/2006/table">
@@ -7379,7 +7392,7 @@
         </p:nvGraphicFramePr>
         <p:xfrm>
           <a:off x="512736" y="2026557"/>
-          <a:ext cx="10515600" cy="2519617"/>
+          <a:ext cx="10515600" cy="2541270"/>
         </p:xfrm>
         <a:graphic>
           <a:graphicData uri="http://schemas.openxmlformats.org/drawingml/2006/table">
@@ -7970,7 +7983,7 @@
         </p:nvGraphicFramePr>
         <p:xfrm>
           <a:off x="590226" y="1282403"/>
-          <a:ext cx="10515600" cy="4970653"/>
+          <a:ext cx="10515600" cy="4987925"/>
         </p:xfrm>
         <a:graphic>
           <a:graphicData uri="http://schemas.openxmlformats.org/drawingml/2006/table">
@@ -9297,7 +9310,7 @@
         </p:nvGraphicFramePr>
         <p:xfrm>
           <a:off x="315310" y="1513490"/>
-          <a:ext cx="11038490" cy="4187444"/>
+          <a:ext cx="11038490" cy="4220591"/>
         </p:xfrm>
         <a:graphic>
           <a:graphicData uri="http://schemas.openxmlformats.org/drawingml/2006/table">
@@ -10576,7 +10589,11 @@
           <a:p>
             <a:r>
               <a:rPr lang="ru-RU" b="1" dirty="0"/>
-              <a:t>Макрос обмена значений в Scheme</a:t>
+              <a:t>Макрос обмена значений в </a:t>
+            </a:r>
+            <a:r>
+              <a:rPr lang="en-US" b="1" dirty="0" smtClean="0"/>
+              <a:t>Racket</a:t>
             </a:r>
             <a:endParaRPr lang="ru-RU" dirty="0"/>
           </a:p>
@@ -10599,7 +10616,7 @@
         </p:nvGraphicFramePr>
         <p:xfrm>
           <a:off x="283779" y="1403131"/>
-          <a:ext cx="11070021" cy="5097336"/>
+          <a:ext cx="11070021" cy="5117465"/>
         </p:xfrm>
         <a:graphic>
           <a:graphicData uri="http://schemas.openxmlformats.org/drawingml/2006/table">
@@ -11733,7 +11750,7 @@
         </p:nvGraphicFramePr>
         <p:xfrm>
           <a:off x="554421" y="2038107"/>
-          <a:ext cx="10515600" cy="4306126"/>
+          <a:ext cx="10515600" cy="4335018"/>
         </p:xfrm>
         <a:graphic>
           <a:graphicData uri="http://schemas.openxmlformats.org/drawingml/2006/table">
@@ -12427,7 +12444,7 @@
         </p:nvGraphicFramePr>
         <p:xfrm>
           <a:off x="409102" y="15498"/>
-          <a:ext cx="9963384" cy="6329694"/>
+          <a:ext cx="9963384" cy="6346966"/>
         </p:xfrm>
         <a:graphic>
           <a:graphicData uri="http://schemas.openxmlformats.org/drawingml/2006/table">
@@ -14090,7 +14107,11 @@
           <a:p>
             <a:r>
               <a:rPr lang="ru-RU" b="1" dirty="0"/>
-              <a:t>Создание таблицы квадратных корней в Scheme</a:t>
+              <a:t>Создание таблицы квадратных корней в </a:t>
+            </a:r>
+            <a:r>
+              <a:rPr lang="en-US" b="1" dirty="0"/>
+              <a:t>Racket</a:t>
             </a:r>
             <a:r>
               <a:rPr lang="ru-RU" dirty="0"/>
@@ -14120,7 +14141,7 @@
         </p:nvGraphicFramePr>
         <p:xfrm>
           <a:off x="621223" y="1690688"/>
-          <a:ext cx="10515600" cy="3979990"/>
+          <a:ext cx="10515600" cy="4008882"/>
         </p:xfrm>
         <a:graphic>
           <a:graphicData uri="http://schemas.openxmlformats.org/drawingml/2006/table">
